--- a/Presentations/2018-01-31-Dallas/Azure Agenda.pptx
+++ b/Presentations/2018-01-31-Dallas/Azure Agenda.pptx
@@ -5,12 +5,13 @@
     <p:sldMasterId id="2147483648" r:id="rId1"/>
   </p:sldMasterIdLst>
   <p:notesMasterIdLst>
-    <p:notesMasterId r:id="rId5"/>
+    <p:notesMasterId r:id="rId6"/>
   </p:notesMasterIdLst>
   <p:sldIdLst>
     <p:sldId id="257" r:id="rId2"/>
     <p:sldId id="258" r:id="rId3"/>
     <p:sldId id="260" r:id="rId4"/>
+    <p:sldId id="261" r:id="rId5"/>
   </p:sldIdLst>
   <p:sldSz cx="12192000" cy="6858000"/>
   <p:notesSz cx="6858000" cy="9144000"/>
@@ -109,6 +110,11 @@
       </a:defRPr>
     </a:lvl9pPr>
   </p:defaultTextStyle>
+  <p:extLst>
+    <p:ext uri="{EFAFB233-063F-42B5-8137-9DF3F51BA10A}">
+      <p15:sldGuideLst xmlns:p15="http://schemas.microsoft.com/office/powerpoint/2012/main"/>
+    </p:ext>
+  </p:extLst>
 </p:presentation>
 </file>
 
@@ -116,8 +122,8 @@
 <pc:chgInfo xmlns:a="http://schemas.openxmlformats.org/drawingml/2006/main" xmlns:r="http://schemas.openxmlformats.org/officeDocument/2006/relationships" xmlns:ac="http://schemas.microsoft.com/office/drawing/2013/main/command" xmlns:pc="http://schemas.microsoft.com/office/powerpoint/2013/main/command">
   <pc:docChgLst>
     <pc:chgData name="Tri Le" userId="59114844-bb80-4c0f-a400-ee71675dc336" providerId="ADAL" clId="{CD3299BE-A140-4093-862C-0BC94807AA10}"/>
-    <pc:docChg chg="custSel modSld">
-      <pc:chgData name="Tri Le" userId="59114844-bb80-4c0f-a400-ee71675dc336" providerId="ADAL" clId="{CD3299BE-A140-4093-862C-0BC94807AA10}" dt="2018-01-31T14:52:49.861" v="247" actId="14100"/>
+    <pc:docChg chg="custSel addSld modSld">
+      <pc:chgData name="Tri Le" userId="59114844-bb80-4c0f-a400-ee71675dc336" providerId="ADAL" clId="{CD3299BE-A140-4093-862C-0BC94807AA10}" dt="2018-02-01T19:05:14.404" v="292" actId="20577"/>
       <pc:docMkLst>
         <pc:docMk/>
       </pc:docMkLst>
@@ -159,7 +165,7 @@
           </ac:spMkLst>
         </pc:spChg>
         <pc:spChg chg="add del">
-          <ac:chgData name="Tri Le" userId="59114844-bb80-4c0f-a400-ee71675dc336" providerId="ADAL" clId="{CD3299BE-A140-4093-862C-0BC94807AA10}" dt="2018-01-31T14:52:18.075" v="239"/>
+          <ac:chgData name="Tri Le" userId="59114844-bb80-4c0f-a400-ee71675dc336" providerId="ADAL" clId="{CD3299BE-A140-4093-862C-0BC94807AA10}" dt="2018-01-31T14:52:18.075" v="239" actId="14100"/>
           <ac:spMkLst>
             <pc:docMk/>
             <pc:sldMk cId="126300454" sldId="258"/>
@@ -182,6 +188,60 @@
             <ac:picMk id="6" creationId="{664D2727-8DD3-4920-B864-0013288A3AC7}"/>
           </ac:picMkLst>
         </pc:picChg>
+      </pc:sldChg>
+      <pc:sldChg chg="addSp modSp">
+        <pc:chgData name="Tri Le" userId="59114844-bb80-4c0f-a400-ee71675dc336" providerId="ADAL" clId="{CD3299BE-A140-4093-862C-0BC94807AA10}" dt="2018-02-01T14:54:16.831" v="249"/>
+        <pc:sldMkLst>
+          <pc:docMk/>
+          <pc:sldMk cId="102821461" sldId="260"/>
+        </pc:sldMkLst>
+        <pc:spChg chg="add">
+          <ac:chgData name="Tri Le" userId="59114844-bb80-4c0f-a400-ee71675dc336" providerId="ADAL" clId="{CD3299BE-A140-4093-862C-0BC94807AA10}" dt="2018-02-01T14:54:16.831" v="249"/>
+          <ac:spMkLst>
+            <pc:docMk/>
+            <pc:sldMk cId="102821461" sldId="260"/>
+            <ac:spMk id="5" creationId="{426E77BF-B3CA-4414-9BDA-060BA7610657}"/>
+          </ac:spMkLst>
+        </pc:spChg>
+        <pc:spChg chg="add">
+          <ac:chgData name="Tri Le" userId="59114844-bb80-4c0f-a400-ee71675dc336" providerId="ADAL" clId="{CD3299BE-A140-4093-862C-0BC94807AA10}" dt="2018-02-01T14:54:16.831" v="249"/>
+          <ac:spMkLst>
+            <pc:docMk/>
+            <pc:sldMk cId="102821461" sldId="260"/>
+            <ac:spMk id="6" creationId="{D36FD1F3-2091-4465-9FC3-BFA735795BD7}"/>
+          </ac:spMkLst>
+        </pc:spChg>
+        <pc:picChg chg="mod">
+          <ac:chgData name="Tri Le" userId="59114844-bb80-4c0f-a400-ee71675dc336" providerId="ADAL" clId="{CD3299BE-A140-4093-862C-0BC94807AA10}" dt="2018-02-01T14:54:15.240" v="248" actId="14100"/>
+          <ac:picMkLst>
+            <pc:docMk/>
+            <pc:sldMk cId="102821461" sldId="260"/>
+            <ac:picMk id="10" creationId="{9CB2C090-8B50-48FB-8982-706D86D85FF7}"/>
+          </ac:picMkLst>
+        </pc:picChg>
+      </pc:sldChg>
+      <pc:sldChg chg="modSp add">
+        <pc:chgData name="Tri Le" userId="59114844-bb80-4c0f-a400-ee71675dc336" providerId="ADAL" clId="{CD3299BE-A140-4093-862C-0BC94807AA10}" dt="2018-02-01T19:05:14.404" v="292" actId="20577"/>
+        <pc:sldMkLst>
+          <pc:docMk/>
+          <pc:sldMk cId="3536929554" sldId="261"/>
+        </pc:sldMkLst>
+        <pc:spChg chg="mod">
+          <ac:chgData name="Tri Le" userId="59114844-bb80-4c0f-a400-ee71675dc336" providerId="ADAL" clId="{CD3299BE-A140-4093-862C-0BC94807AA10}" dt="2018-02-01T19:05:14.404" v="292" actId="20577"/>
+          <ac:spMkLst>
+            <pc:docMk/>
+            <pc:sldMk cId="3536929554" sldId="261"/>
+            <ac:spMk id="2" creationId="{F711C168-788C-40C4-AB82-EFF07361F9EB}"/>
+          </ac:spMkLst>
+        </pc:spChg>
+        <pc:spChg chg="mod">
+          <ac:chgData name="Tri Le" userId="59114844-bb80-4c0f-a400-ee71675dc336" providerId="ADAL" clId="{CD3299BE-A140-4093-862C-0BC94807AA10}" dt="2018-02-01T19:05:04.314" v="277" actId="20577"/>
+          <ac:spMkLst>
+            <pc:docMk/>
+            <pc:sldMk cId="3536929554" sldId="261"/>
+            <ac:spMk id="3" creationId="{1B1944D4-05C0-4A54-836D-8BEA9C39C155}"/>
+          </ac:spMkLst>
+        </pc:spChg>
       </pc:sldChg>
     </pc:docChg>
   </pc:docChgLst>
@@ -270,7 +330,7 @@
           <a:p>
             <a:fld id="{75D224B9-2C23-4A34-A6AD-8D4A9747D900}" type="datetimeFigureOut">
               <a:rPr lang="en-US" smtClean="0"/>
-              <a:t>1/31/2018</a:t>
+              <a:t>2/1/2018</a:t>
             </a:fld>
             <a:endParaRPr lang="en-US"/>
           </a:p>
@@ -849,6 +909,90 @@
 </p:notes>
 </file>
 
+<file path=ppt/notesSlides/notesSlide4.xml><?xml version="1.0" encoding="utf-8"?>
+<p:notes xmlns:a="http://schemas.openxmlformats.org/drawingml/2006/main" xmlns:r="http://schemas.openxmlformats.org/officeDocument/2006/relationships" xmlns:p="http://schemas.openxmlformats.org/presentationml/2006/main">
+  <p:cSld>
+    <p:spTree>
+      <p:nvGrpSpPr>
+        <p:cNvPr id="1" name=""/>
+        <p:cNvGrpSpPr/>
+        <p:nvPr/>
+      </p:nvGrpSpPr>
+      <p:grpSpPr>
+        <a:xfrm>
+          <a:off x="0" y="0"/>
+          <a:ext cx="0" cy="0"/>
+          <a:chOff x="0" y="0"/>
+          <a:chExt cx="0" cy="0"/>
+        </a:xfrm>
+      </p:grpSpPr>
+      <p:sp>
+        <p:nvSpPr>
+          <p:cNvPr id="2" name="Slide Image Placeholder 1"/>
+          <p:cNvSpPr>
+            <a:spLocks noGrp="1" noRot="1" noChangeAspect="1"/>
+          </p:cNvSpPr>
+          <p:nvPr>
+            <p:ph type="sldImg"/>
+          </p:nvPr>
+        </p:nvSpPr>
+        <p:spPr/>
+      </p:sp>
+      <p:sp>
+        <p:nvSpPr>
+          <p:cNvPr id="3" name="Notes Placeholder 2"/>
+          <p:cNvSpPr>
+            <a:spLocks noGrp="1"/>
+          </p:cNvSpPr>
+          <p:nvPr>
+            <p:ph type="body" idx="1"/>
+          </p:nvPr>
+        </p:nvSpPr>
+        <p:spPr/>
+        <p:txBody>
+          <a:bodyPr/>
+          <a:lstStyle/>
+          <a:p>
+            <a:endParaRPr lang="en-US"/>
+          </a:p>
+        </p:txBody>
+      </p:sp>
+      <p:sp>
+        <p:nvSpPr>
+          <p:cNvPr id="4" name="Slide Number Placeholder 3"/>
+          <p:cNvSpPr>
+            <a:spLocks noGrp="1"/>
+          </p:cNvSpPr>
+          <p:nvPr>
+            <p:ph type="sldNum" sz="quarter" idx="10"/>
+          </p:nvPr>
+        </p:nvSpPr>
+        <p:spPr/>
+        <p:txBody>
+          <a:bodyPr/>
+          <a:lstStyle/>
+          <a:p>
+            <a:fld id="{EFF251AA-BF1A-49B1-B7A8-5119951C4414}" type="slidenum">
+              <a:rPr lang="en-US" smtClean="0"/>
+              <a:t>4</a:t>
+            </a:fld>
+            <a:endParaRPr lang="en-US"/>
+          </a:p>
+        </p:txBody>
+      </p:sp>
+    </p:spTree>
+    <p:extLst>
+      <p:ext uri="{BB962C8B-B14F-4D97-AF65-F5344CB8AC3E}">
+        <p14:creationId xmlns:p14="http://schemas.microsoft.com/office/powerpoint/2010/main" val="3002522069"/>
+      </p:ext>
+    </p:extLst>
+  </p:cSld>
+  <p:clrMapOvr>
+    <a:masterClrMapping/>
+  </p:clrMapOvr>
+</p:notes>
+</file>
+
 <file path=ppt/slideLayouts/slideLayout1.xml><?xml version="1.0" encoding="utf-8"?>
 <p:sldLayout xmlns:a="http://schemas.openxmlformats.org/drawingml/2006/main" xmlns:r="http://schemas.openxmlformats.org/officeDocument/2006/relationships" xmlns:p="http://schemas.openxmlformats.org/presentationml/2006/main" type="title" preserve="1">
   <p:cSld name="Title Slide">
@@ -996,7 +1140,7 @@
           <a:p>
             <a:fld id="{A2616794-17B4-4627-9B7A-EE4F9CD4D08D}" type="datetimeFigureOut">
               <a:rPr lang="en-US" smtClean="0"/>
-              <a:t>1/31/2018</a:t>
+              <a:t>2/1/2018</a:t>
             </a:fld>
             <a:endParaRPr lang="en-US"/>
           </a:p>
@@ -1194,7 +1338,7 @@
           <a:p>
             <a:fld id="{A2616794-17B4-4627-9B7A-EE4F9CD4D08D}" type="datetimeFigureOut">
               <a:rPr lang="en-US" smtClean="0"/>
-              <a:t>1/31/2018</a:t>
+              <a:t>2/1/2018</a:t>
             </a:fld>
             <a:endParaRPr lang="en-US"/>
           </a:p>
@@ -1402,7 +1546,7 @@
           <a:p>
             <a:fld id="{A2616794-17B4-4627-9B7A-EE4F9CD4D08D}" type="datetimeFigureOut">
               <a:rPr lang="en-US" smtClean="0"/>
-              <a:t>1/31/2018</a:t>
+              <a:t>2/1/2018</a:t>
             </a:fld>
             <a:endParaRPr lang="en-US"/>
           </a:p>
@@ -1600,7 +1744,7 @@
           <a:p>
             <a:fld id="{A2616794-17B4-4627-9B7A-EE4F9CD4D08D}" type="datetimeFigureOut">
               <a:rPr lang="en-US" smtClean="0"/>
-              <a:t>1/31/2018</a:t>
+              <a:t>2/1/2018</a:t>
             </a:fld>
             <a:endParaRPr lang="en-US"/>
           </a:p>
@@ -1875,7 +2019,7 @@
           <a:p>
             <a:fld id="{A2616794-17B4-4627-9B7A-EE4F9CD4D08D}" type="datetimeFigureOut">
               <a:rPr lang="en-US" smtClean="0"/>
-              <a:t>1/31/2018</a:t>
+              <a:t>2/1/2018</a:t>
             </a:fld>
             <a:endParaRPr lang="en-US"/>
           </a:p>
@@ -2140,7 +2284,7 @@
           <a:p>
             <a:fld id="{A2616794-17B4-4627-9B7A-EE4F9CD4D08D}" type="datetimeFigureOut">
               <a:rPr lang="en-US" smtClean="0"/>
-              <a:t>1/31/2018</a:t>
+              <a:t>2/1/2018</a:t>
             </a:fld>
             <a:endParaRPr lang="en-US"/>
           </a:p>
@@ -2552,7 +2696,7 @@
           <a:p>
             <a:fld id="{A2616794-17B4-4627-9B7A-EE4F9CD4D08D}" type="datetimeFigureOut">
               <a:rPr lang="en-US" smtClean="0"/>
-              <a:t>1/31/2018</a:t>
+              <a:t>2/1/2018</a:t>
             </a:fld>
             <a:endParaRPr lang="en-US"/>
           </a:p>
@@ -2693,7 +2837,7 @@
           <a:p>
             <a:fld id="{A2616794-17B4-4627-9B7A-EE4F9CD4D08D}" type="datetimeFigureOut">
               <a:rPr lang="en-US" smtClean="0"/>
-              <a:t>1/31/2018</a:t>
+              <a:t>2/1/2018</a:t>
             </a:fld>
             <a:endParaRPr lang="en-US"/>
           </a:p>
@@ -2806,7 +2950,7 @@
           <a:p>
             <a:fld id="{A2616794-17B4-4627-9B7A-EE4F9CD4D08D}" type="datetimeFigureOut">
               <a:rPr lang="en-US" smtClean="0"/>
-              <a:t>1/31/2018</a:t>
+              <a:t>2/1/2018</a:t>
             </a:fld>
             <a:endParaRPr lang="en-US"/>
           </a:p>
@@ -3117,7 +3261,7 @@
           <a:p>
             <a:fld id="{A2616794-17B4-4627-9B7A-EE4F9CD4D08D}" type="datetimeFigureOut">
               <a:rPr lang="en-US" smtClean="0"/>
-              <a:t>1/31/2018</a:t>
+              <a:t>2/1/2018</a:t>
             </a:fld>
             <a:endParaRPr lang="en-US"/>
           </a:p>
@@ -3405,7 +3549,7 @@
           <a:p>
             <a:fld id="{A2616794-17B4-4627-9B7A-EE4F9CD4D08D}" type="datetimeFigureOut">
               <a:rPr lang="en-US" smtClean="0"/>
-              <a:t>1/31/2018</a:t>
+              <a:t>2/1/2018</a:t>
             </a:fld>
             <a:endParaRPr lang="en-US"/>
           </a:p>
@@ -3646,7 +3790,7 @@
           <a:p>
             <a:fld id="{A2616794-17B4-4627-9B7A-EE4F9CD4D08D}" type="datetimeFigureOut">
               <a:rPr lang="en-US" smtClean="0"/>
-              <a:t>1/31/2018</a:t>
+              <a:t>2/1/2018</a:t>
             </a:fld>
             <a:endParaRPr lang="en-US"/>
           </a:p>
@@ -5115,18 +5259,244 @@
         </p:blipFill>
         <p:spPr>
           <a:xfrm>
-            <a:off x="4132242" y="1209014"/>
-            <a:ext cx="7221558" cy="4861211"/>
+            <a:off x="5357972" y="1209014"/>
+            <a:ext cx="5995827" cy="4861211"/>
           </a:xfrm>
           <a:prstGeom prst="rect">
             <a:avLst/>
           </a:prstGeom>
         </p:spPr>
       </p:pic>
+      <p:sp>
+        <p:nvSpPr>
+          <p:cNvPr id="5" name="Rectangle 4">
+            <a:extLst>
+              <a:ext uri="{FF2B5EF4-FFF2-40B4-BE49-F238E27FC236}">
+                <a16:creationId xmlns:a16="http://schemas.microsoft.com/office/drawing/2014/main" id="{426E77BF-B3CA-4414-9BDA-060BA7610657}"/>
+              </a:ext>
+            </a:extLst>
+          </p:cNvPr>
+          <p:cNvSpPr/>
+          <p:nvPr/>
+        </p:nvSpPr>
+        <p:spPr>
+          <a:xfrm>
+            <a:off x="2147645" y="6177606"/>
+            <a:ext cx="6564041" cy="369332"/>
+          </a:xfrm>
+          <a:prstGeom prst="rect">
+            <a:avLst/>
+          </a:prstGeom>
+        </p:spPr>
+        <p:txBody>
+          <a:bodyPr wrap="none">
+            <a:spAutoFit/>
+          </a:bodyPr>
+          <a:lstStyle/>
+          <a:p>
+            <a:r>
+              <a:rPr lang="en-US" dirty="0"/>
+              <a:t>Dallas 70-535 Content Home: </a:t>
+            </a:r>
+            <a:r>
+              <a:rPr lang="en-US" dirty="0">
+                <a:hlinkClick r:id="rId5"/>
+              </a:rPr>
+              <a:t>http://github.com/variable229/70-535</a:t>
+            </a:r>
+            <a:endParaRPr lang="en-US" dirty="0"/>
+          </a:p>
+        </p:txBody>
+      </p:sp>
+      <p:sp>
+        <p:nvSpPr>
+          <p:cNvPr id="6" name="Rectangle 5">
+            <a:extLst>
+              <a:ext uri="{FF2B5EF4-FFF2-40B4-BE49-F238E27FC236}">
+                <a16:creationId xmlns:a16="http://schemas.microsoft.com/office/drawing/2014/main" id="{D36FD1F3-2091-4465-9FC3-BFA735795BD7}"/>
+              </a:ext>
+            </a:extLst>
+          </p:cNvPr>
+          <p:cNvSpPr/>
+          <p:nvPr/>
+        </p:nvSpPr>
+        <p:spPr>
+          <a:xfrm>
+            <a:off x="263703" y="2321274"/>
+            <a:ext cx="4878513" cy="1754326"/>
+          </a:xfrm>
+          <a:prstGeom prst="rect">
+            <a:avLst/>
+          </a:prstGeom>
+        </p:spPr>
+        <p:txBody>
+          <a:bodyPr wrap="square">
+            <a:spAutoFit/>
+          </a:bodyPr>
+          <a:lstStyle/>
+          <a:p>
+            <a:r>
+              <a:rPr lang="en-US" dirty="0"/>
+              <a:t>Join Skype Meeting</a:t>
+            </a:r>
+          </a:p>
+          <a:p>
+            <a:r>
+              <a:rPr lang="en-US" dirty="0"/>
+              <a:t>https://meet.lync.com/microsoft/trile/GV80K1SM</a:t>
+            </a:r>
+          </a:p>
+          <a:p>
+            <a:endParaRPr lang="en-US" dirty="0"/>
+          </a:p>
+          <a:p>
+            <a:r>
+              <a:rPr lang="en-US" dirty="0"/>
+              <a:t>Join by Phone</a:t>
+            </a:r>
+          </a:p>
+          <a:p>
+            <a:r>
+              <a:rPr lang="en-US" dirty="0"/>
+              <a:t>+13238494874</a:t>
+            </a:r>
+          </a:p>
+          <a:p>
+            <a:r>
+              <a:rPr lang="en-US" dirty="0"/>
+              <a:t>Conference ID: 26629556</a:t>
+            </a:r>
+          </a:p>
+        </p:txBody>
+      </p:sp>
     </p:spTree>
     <p:extLst>
       <p:ext uri="{BB962C8B-B14F-4D97-AF65-F5344CB8AC3E}">
         <p14:creationId xmlns:p14="http://schemas.microsoft.com/office/powerpoint/2010/main" val="102821461"/>
+      </p:ext>
+    </p:extLst>
+  </p:cSld>
+  <p:clrMapOvr>
+    <a:masterClrMapping/>
+  </p:clrMapOvr>
+</p:sld>
+</file>
+
+<file path=ppt/slides/slide4.xml><?xml version="1.0" encoding="utf-8"?>
+<p:sld xmlns:a="http://schemas.openxmlformats.org/drawingml/2006/main" xmlns:r="http://schemas.openxmlformats.org/officeDocument/2006/relationships" xmlns:p="http://schemas.openxmlformats.org/presentationml/2006/main">
+  <p:cSld>
+    <p:spTree>
+      <p:nvGrpSpPr>
+        <p:cNvPr id="1" name=""/>
+        <p:cNvGrpSpPr/>
+        <p:nvPr/>
+      </p:nvGrpSpPr>
+      <p:grpSpPr>
+        <a:xfrm>
+          <a:off x="0" y="0"/>
+          <a:ext cx="0" cy="0"/>
+          <a:chOff x="0" y="0"/>
+          <a:chExt cx="0" cy="0"/>
+        </a:xfrm>
+      </p:grpSpPr>
+      <p:sp>
+        <p:nvSpPr>
+          <p:cNvPr id="2" name="Title 1">
+            <a:extLst>
+              <a:ext uri="{FF2B5EF4-FFF2-40B4-BE49-F238E27FC236}">
+                <a16:creationId xmlns:a16="http://schemas.microsoft.com/office/drawing/2014/main" id="{F711C168-788C-40C4-AB82-EFF07361F9EB}"/>
+              </a:ext>
+            </a:extLst>
+          </p:cNvPr>
+          <p:cNvSpPr>
+            <a:spLocks noGrp="1"/>
+          </p:cNvSpPr>
+          <p:nvPr>
+            <p:ph type="title"/>
+          </p:nvPr>
+        </p:nvSpPr>
+        <p:spPr/>
+        <p:txBody>
+          <a:bodyPr/>
+          <a:lstStyle/>
+          <a:p>
+            <a:r>
+              <a:rPr lang="en-US"/>
+              <a:t>Submit Course Evaluation </a:t>
+            </a:r>
+            <a:r>
+              <a:rPr lang="en-US" dirty="0"/>
+              <a:t>Link</a:t>
+            </a:r>
+          </a:p>
+        </p:txBody>
+      </p:sp>
+      <p:sp>
+        <p:nvSpPr>
+          <p:cNvPr id="3" name="Content Placeholder 2">
+            <a:extLst>
+              <a:ext uri="{FF2B5EF4-FFF2-40B4-BE49-F238E27FC236}">
+                <a16:creationId xmlns:a16="http://schemas.microsoft.com/office/drawing/2014/main" id="{1B1944D4-05C0-4A54-836D-8BEA9C39C155}"/>
+              </a:ext>
+            </a:extLst>
+          </p:cNvPr>
+          <p:cNvSpPr>
+            <a:spLocks noGrp="1"/>
+          </p:cNvSpPr>
+          <p:nvPr>
+            <p:ph idx="1"/>
+          </p:nvPr>
+        </p:nvSpPr>
+        <p:spPr/>
+        <p:txBody>
+          <a:bodyPr/>
+          <a:lstStyle/>
+          <a:p>
+            <a:pPr marL="0" indent="0">
+              <a:buNone/>
+            </a:pPr>
+            <a:endParaRPr lang="en-US" b="1" dirty="0"/>
+          </a:p>
+          <a:p>
+            <a:pPr marL="0" indent="0">
+              <a:buNone/>
+            </a:pPr>
+            <a:endParaRPr lang="en-US" b="1" dirty="0"/>
+          </a:p>
+          <a:p>
+            <a:pPr marL="0" indent="0">
+              <a:buNone/>
+            </a:pPr>
+            <a:endParaRPr lang="en-US" b="1" dirty="0"/>
+          </a:p>
+          <a:p>
+            <a:pPr marL="0" indent="0">
+              <a:buNone/>
+            </a:pPr>
+            <a:r>
+              <a:rPr lang="en-US" b="1" dirty="0"/>
+              <a:t>Evaluation Link: </a:t>
+            </a:r>
+            <a:r>
+              <a:rPr lang="en-US" u="sng" dirty="0">
+                <a:hlinkClick r:id="rId3"/>
+              </a:rPr>
+              <a:t>https://mtm.cebglobal.com/url/u.aspx?66881229F122240829</a:t>
+            </a:r>
+            <a:endParaRPr lang="en-US" dirty="0"/>
+          </a:p>
+          <a:p>
+            <a:pPr marL="0" indent="0">
+              <a:buNone/>
+            </a:pPr>
+            <a:endParaRPr lang="en-US" dirty="0"/>
+          </a:p>
+        </p:txBody>
+      </p:sp>
+    </p:spTree>
+    <p:extLst>
+      <p:ext uri="{BB962C8B-B14F-4D97-AF65-F5344CB8AC3E}">
+        <p14:creationId xmlns:p14="http://schemas.microsoft.com/office/powerpoint/2010/main" val="3536929554"/>
       </p:ext>
     </p:extLst>
   </p:cSld>
